--- a/Prezentatsia.pptx
+++ b/Prezentatsia.pptx
@@ -253,7 +253,7 @@
             <a:fld id="{9EF4B80C-24DE-46C9-A194-600AF4508C92}" type="datetimeFigureOut">
               <a:rPr lang="ru-RU" smtClean="0"/>
               <a:pPr/>
-              <a:t>19.04.2021</a:t>
+              <a:t>21.04.2021</a:t>
             </a:fld>
             <a:endParaRPr lang="ru-RU"/>
           </a:p>
@@ -1124,7 +1124,7 @@
             <a:fld id="{9EF4B80C-24DE-46C9-A194-600AF4508C92}" type="datetimeFigureOut">
               <a:rPr lang="ru-RU" smtClean="0"/>
               <a:pPr/>
-              <a:t>19.04.2021</a:t>
+              <a:t>21.04.2021</a:t>
             </a:fld>
             <a:endParaRPr lang="ru-RU"/>
           </a:p>
@@ -1301,7 +1301,7 @@
             <a:fld id="{9EF4B80C-24DE-46C9-A194-600AF4508C92}" type="datetimeFigureOut">
               <a:rPr lang="ru-RU" smtClean="0"/>
               <a:pPr/>
-              <a:t>19.04.2021</a:t>
+              <a:t>21.04.2021</a:t>
             </a:fld>
             <a:endParaRPr lang="ru-RU"/>
           </a:p>
@@ -1473,7 +1473,7 @@
             <a:fld id="{9EF4B80C-24DE-46C9-A194-600AF4508C92}" type="datetimeFigureOut">
               <a:rPr lang="ru-RU" smtClean="0"/>
               <a:pPr/>
-              <a:t>19.04.2021</a:t>
+              <a:t>21.04.2021</a:t>
             </a:fld>
             <a:endParaRPr lang="ru-RU"/>
           </a:p>
@@ -1685,7 +1685,7 @@
             <a:fld id="{9EF4B80C-24DE-46C9-A194-600AF4508C92}" type="datetimeFigureOut">
               <a:rPr lang="ru-RU" smtClean="0"/>
               <a:pPr/>
-              <a:t>19.04.2021</a:t>
+              <a:t>21.04.2021</a:t>
             </a:fld>
             <a:endParaRPr lang="ru-RU"/>
           </a:p>
@@ -2501,7 +2501,7 @@
             <a:fld id="{9EF4B80C-24DE-46C9-A194-600AF4508C92}" type="datetimeFigureOut">
               <a:rPr lang="ru-RU" smtClean="0"/>
               <a:pPr/>
-              <a:t>19.04.2021</a:t>
+              <a:t>21.04.2021</a:t>
             </a:fld>
             <a:endParaRPr lang="ru-RU"/>
           </a:p>
@@ -2739,7 +2739,7 @@
             <a:fld id="{9EF4B80C-24DE-46C9-A194-600AF4508C92}" type="datetimeFigureOut">
               <a:rPr lang="ru-RU" smtClean="0"/>
               <a:pPr/>
-              <a:t>19.04.2021</a:t>
+              <a:t>21.04.2021</a:t>
             </a:fld>
             <a:endParaRPr lang="ru-RU"/>
           </a:p>
@@ -3064,7 +3064,7 @@
             <a:fld id="{9EF4B80C-24DE-46C9-A194-600AF4508C92}" type="datetimeFigureOut">
               <a:rPr lang="ru-RU" smtClean="0"/>
               <a:pPr/>
-              <a:t>19.04.2021</a:t>
+              <a:t>21.04.2021</a:t>
             </a:fld>
             <a:endParaRPr lang="ru-RU"/>
           </a:p>
@@ -3156,7 +3156,7 @@
             <a:fld id="{9EF4B80C-24DE-46C9-A194-600AF4508C92}" type="datetimeFigureOut">
               <a:rPr lang="ru-RU" smtClean="0"/>
               <a:pPr/>
-              <a:t>19.04.2021</a:t>
+              <a:t>21.04.2021</a:t>
             </a:fld>
             <a:endParaRPr lang="ru-RU"/>
           </a:p>
@@ -3675,7 +3675,7 @@
             <a:fld id="{9EF4B80C-24DE-46C9-A194-600AF4508C92}" type="datetimeFigureOut">
               <a:rPr lang="ru-RU" smtClean="0"/>
               <a:pPr/>
-              <a:t>19.04.2021</a:t>
+              <a:t>21.04.2021</a:t>
             </a:fld>
             <a:endParaRPr lang="ru-RU"/>
           </a:p>
@@ -4188,7 +4188,7 @@
             <a:fld id="{9EF4B80C-24DE-46C9-A194-600AF4508C92}" type="datetimeFigureOut">
               <a:rPr lang="ru-RU" smtClean="0"/>
               <a:pPr/>
-              <a:t>19.04.2021</a:t>
+              <a:t>21.04.2021</a:t>
             </a:fld>
             <a:endParaRPr lang="ru-RU"/>
           </a:p>
@@ -4435,7 +4435,7 @@
             <a:fld id="{9EF4B80C-24DE-46C9-A194-600AF4508C92}" type="datetimeFigureOut">
               <a:rPr lang="ru-RU" smtClean="0"/>
               <a:pPr/>
-              <a:t>19.04.2021</a:t>
+              <a:t>21.04.2021</a:t>
             </a:fld>
             <a:endParaRPr lang="ru-RU"/>
           </a:p>
@@ -5068,14 +5068,7 @@
                 <a:latin typeface="Segoe UI" pitchFamily="34" charset="0"/>
                 <a:cs typeface="Segoe UI" pitchFamily="34" charset="0"/>
               </a:rPr>
-              <a:t>Сайт </a:t>
-            </a:r>
-            <a:r>
-              <a:rPr lang="ru-RU" sz="4000" dirty="0" smtClean="0">
-                <a:latin typeface="Segoe UI" pitchFamily="34" charset="0"/>
-                <a:cs typeface="Segoe UI" pitchFamily="34" charset="0"/>
-              </a:rPr>
-              <a:t>для </a:t>
+              <a:t>Сайт для </a:t>
             </a:r>
             <a:r>
               <a:rPr lang="ru-RU" sz="4000" dirty="0" err="1" smtClean="0">
@@ -5230,15 +5223,7 @@
           <a:p>
             <a:r>
               <a:rPr lang="ru-RU" dirty="0" smtClean="0"/>
-              <a:t>В основе проекта лежит идея о </a:t>
-            </a:r>
-            <a:r>
-              <a:rPr lang="ru-RU" dirty="0" smtClean="0"/>
-              <a:t>приложении для </a:t>
-            </a:r>
-            <a:r>
-              <a:rPr lang="ru-RU" dirty="0" smtClean="0"/>
-              <a:t>приёма </a:t>
+              <a:t>В основе проекта лежит идея о приложении для приёма </a:t>
             </a:r>
             <a:r>
               <a:rPr lang="ru-RU" dirty="0" err="1" smtClean="0"/>
@@ -5246,51 +5231,7 @@
             </a:r>
             <a:r>
               <a:rPr lang="ru-RU" dirty="0" smtClean="0"/>
-              <a:t> </a:t>
-            </a:r>
-            <a:r>
-              <a:rPr lang="ru-RU" dirty="0" smtClean="0"/>
-              <a:t>заказов</a:t>
-            </a:r>
-            <a:r>
-              <a:rPr lang="ru-RU" dirty="0" smtClean="0"/>
-              <a:t>,</a:t>
-            </a:r>
-            <a:r>
-              <a:rPr lang="ru-RU" dirty="0" smtClean="0"/>
-              <a:t> </a:t>
-            </a:r>
-            <a:r>
-              <a:rPr lang="ru-RU" dirty="0" smtClean="0"/>
-              <a:t>в</a:t>
-            </a:r>
-            <a:r>
-              <a:rPr lang="ru-RU" dirty="0" smtClean="0"/>
-              <a:t> </a:t>
-            </a:r>
-            <a:r>
-              <a:rPr lang="ru-RU" dirty="0" smtClean="0"/>
-              <a:t>котором  </a:t>
-            </a:r>
-            <a:r>
-              <a:rPr lang="ru-RU" dirty="0" smtClean="0"/>
-              <a:t>клиент может сделать покупки, не выходя из дома, </a:t>
-            </a:r>
-            <a:r>
-              <a:rPr lang="ru-RU" dirty="0" smtClean="0"/>
-              <a:t>посмотреть все </a:t>
-            </a:r>
-            <a:r>
-              <a:rPr lang="ru-RU" dirty="0" smtClean="0"/>
-              <a:t>свои выбранные товары, </a:t>
-            </a:r>
-            <a:r>
-              <a:rPr lang="ru-RU" dirty="0" smtClean="0"/>
-              <a:t>их итоговую сумму, что именно он заказал, и в каком количестве</a:t>
-            </a:r>
-            <a:r>
-              <a:rPr lang="ru-RU" dirty="0" smtClean="0"/>
-              <a:t>.</a:t>
+              <a:t> заказов, в котором  клиент может сделать покупки, не выходя из дома, посмотреть все свои выбранные товары, их итоговую сумму, что именно он заказал, и в каком количестве.</a:t>
             </a:r>
           </a:p>
           <a:p>
@@ -5497,17 +5438,14 @@
               <a:t>- Работа </a:t>
             </a:r>
             <a:r>
-              <a:rPr lang="ru-RU" sz="2400" dirty="0"/>
-              <a:t>с SQL-таблицами и отображение данных в </a:t>
-            </a:r>
-            <a:r>
-              <a:rPr lang="ru-RU" sz="2400" dirty="0" err="1"/>
-              <a:t>PyQT</a:t>
-            </a:r>
-            <a:r>
-              <a:rPr lang="ru-RU" sz="2400" dirty="0"/>
-              <a:t>.</a:t>
-            </a:r>
+              <a:rPr lang="ru-RU" sz="2400"/>
+              <a:t>с </a:t>
+            </a:r>
+            <a:r>
+              <a:rPr lang="ru-RU" sz="2400" smtClean="0"/>
+              <a:t>SQL-таблицами</a:t>
+            </a:r>
+            <a:endParaRPr lang="ru-RU" sz="2400" dirty="0"/>
           </a:p>
           <a:p>
             <a:pPr>
@@ -6305,15 +6243,7 @@
             </a:r>
             <a:r>
               <a:rPr lang="ru-RU" dirty="0" smtClean="0"/>
-              <a:t>создание нового приложения для работы сотрудников </a:t>
-            </a:r>
-            <a:r>
-              <a:rPr lang="ru-RU" dirty="0" smtClean="0"/>
-              <a:t>магазина, с целью облегчить подсчёт кол-ва покупателей, подсчёт </a:t>
-            </a:r>
-            <a:r>
-              <a:rPr lang="ru-RU" dirty="0" smtClean="0"/>
-              <a:t>общей прибыли и сбор информации о наиболее часто покупаемых продуктах. </a:t>
+              <a:t>создание нового приложения для работы сотрудников магазина, с целью облегчить подсчёт кол-ва покупателей, подсчёт общей прибыли и сбор информации о наиболее часто покупаемых продуктах. </a:t>
             </a:r>
             <a:endParaRPr lang="ru-RU" dirty="0"/>
           </a:p>
